--- a/static/img.pptx
+++ b/static/img.pptx
@@ -272,7 +272,7 @@
           <a:p>
             <a:fld id="{2EF19AEA-7B70-49AE-BCE7-642F288BB7EA}" type="datetimeFigureOut">
               <a:rPr lang="ko-KR" altLang="en-US" smtClean="0"/>
-              <a:t>2020-12-12</a:t>
+              <a:t>2020-12-13</a:t>
             </a:fld>
             <a:endParaRPr lang="ko-KR" altLang="en-US"/>
           </a:p>
@@ -470,7 +470,7 @@
           <a:p>
             <a:fld id="{2EF19AEA-7B70-49AE-BCE7-642F288BB7EA}" type="datetimeFigureOut">
               <a:rPr lang="ko-KR" altLang="en-US" smtClean="0"/>
-              <a:t>2020-12-12</a:t>
+              <a:t>2020-12-13</a:t>
             </a:fld>
             <a:endParaRPr lang="ko-KR" altLang="en-US"/>
           </a:p>
@@ -678,7 +678,7 @@
           <a:p>
             <a:fld id="{2EF19AEA-7B70-49AE-BCE7-642F288BB7EA}" type="datetimeFigureOut">
               <a:rPr lang="ko-KR" altLang="en-US" smtClean="0"/>
-              <a:t>2020-12-12</a:t>
+              <a:t>2020-12-13</a:t>
             </a:fld>
             <a:endParaRPr lang="ko-KR" altLang="en-US"/>
           </a:p>
@@ -876,7 +876,7 @@
           <a:p>
             <a:fld id="{2EF19AEA-7B70-49AE-BCE7-642F288BB7EA}" type="datetimeFigureOut">
               <a:rPr lang="ko-KR" altLang="en-US" smtClean="0"/>
-              <a:t>2020-12-12</a:t>
+              <a:t>2020-12-13</a:t>
             </a:fld>
             <a:endParaRPr lang="ko-KR" altLang="en-US"/>
           </a:p>
@@ -1151,7 +1151,7 @@
           <a:p>
             <a:fld id="{2EF19AEA-7B70-49AE-BCE7-642F288BB7EA}" type="datetimeFigureOut">
               <a:rPr lang="ko-KR" altLang="en-US" smtClean="0"/>
-              <a:t>2020-12-12</a:t>
+              <a:t>2020-12-13</a:t>
             </a:fld>
             <a:endParaRPr lang="ko-KR" altLang="en-US"/>
           </a:p>
@@ -1416,7 +1416,7 @@
           <a:p>
             <a:fld id="{2EF19AEA-7B70-49AE-BCE7-642F288BB7EA}" type="datetimeFigureOut">
               <a:rPr lang="ko-KR" altLang="en-US" smtClean="0"/>
-              <a:t>2020-12-12</a:t>
+              <a:t>2020-12-13</a:t>
             </a:fld>
             <a:endParaRPr lang="ko-KR" altLang="en-US"/>
           </a:p>
@@ -1828,7 +1828,7 @@
           <a:p>
             <a:fld id="{2EF19AEA-7B70-49AE-BCE7-642F288BB7EA}" type="datetimeFigureOut">
               <a:rPr lang="ko-KR" altLang="en-US" smtClean="0"/>
-              <a:t>2020-12-12</a:t>
+              <a:t>2020-12-13</a:t>
             </a:fld>
             <a:endParaRPr lang="ko-KR" altLang="en-US"/>
           </a:p>
@@ -1969,7 +1969,7 @@
           <a:p>
             <a:fld id="{2EF19AEA-7B70-49AE-BCE7-642F288BB7EA}" type="datetimeFigureOut">
               <a:rPr lang="ko-KR" altLang="en-US" smtClean="0"/>
-              <a:t>2020-12-12</a:t>
+              <a:t>2020-12-13</a:t>
             </a:fld>
             <a:endParaRPr lang="ko-KR" altLang="en-US"/>
           </a:p>
@@ -2082,7 +2082,7 @@
           <a:p>
             <a:fld id="{2EF19AEA-7B70-49AE-BCE7-642F288BB7EA}" type="datetimeFigureOut">
               <a:rPr lang="ko-KR" altLang="en-US" smtClean="0"/>
-              <a:t>2020-12-12</a:t>
+              <a:t>2020-12-13</a:t>
             </a:fld>
             <a:endParaRPr lang="ko-KR" altLang="en-US"/>
           </a:p>
@@ -2393,7 +2393,7 @@
           <a:p>
             <a:fld id="{2EF19AEA-7B70-49AE-BCE7-642F288BB7EA}" type="datetimeFigureOut">
               <a:rPr lang="ko-KR" altLang="en-US" smtClean="0"/>
-              <a:t>2020-12-12</a:t>
+              <a:t>2020-12-13</a:t>
             </a:fld>
             <a:endParaRPr lang="ko-KR" altLang="en-US"/>
           </a:p>
@@ -2681,7 +2681,7 @@
           <a:p>
             <a:fld id="{2EF19AEA-7B70-49AE-BCE7-642F288BB7EA}" type="datetimeFigureOut">
               <a:rPr lang="ko-KR" altLang="en-US" smtClean="0"/>
-              <a:t>2020-12-12</a:t>
+              <a:t>2020-12-13</a:t>
             </a:fld>
             <a:endParaRPr lang="ko-KR" altLang="en-US"/>
           </a:p>
@@ -2922,7 +2922,7 @@
           <a:p>
             <a:fld id="{2EF19AEA-7B70-49AE-BCE7-642F288BB7EA}" type="datetimeFigureOut">
               <a:rPr lang="ko-KR" altLang="en-US" smtClean="0"/>
-              <a:t>2020-12-12</a:t>
+              <a:t>2020-12-13</a:t>
             </a:fld>
             <a:endParaRPr lang="ko-KR" altLang="en-US"/>
           </a:p>
@@ -3341,10 +3341,10 @@
       </p:grpSpPr>
       <p:pic>
         <p:nvPicPr>
-          <p:cNvPr id="5" name="그림 4">
-            <a:extLst>
-              <a:ext uri="{FF2B5EF4-FFF2-40B4-BE49-F238E27FC236}">
-                <a16:creationId xmlns:a16="http://schemas.microsoft.com/office/drawing/2014/main" id="{793F3E1B-33DE-44B4-9025-92AD500FEA16}"/>
+          <p:cNvPr id="8" name="그림 7">
+            <a:extLst>
+              <a:ext uri="{FF2B5EF4-FFF2-40B4-BE49-F238E27FC236}">
+                <a16:creationId xmlns:a16="http://schemas.microsoft.com/office/drawing/2014/main" id="{27180F2E-8E05-4322-BA5C-5BC87A860B90}"/>
               </a:ext>
             </a:extLst>
           </p:cNvPr>
@@ -3361,36 +3361,6 @@
         </p:blipFill>
         <p:spPr>
           <a:xfrm>
-            <a:off x="29415" y="2289383"/>
-            <a:ext cx="3292623" cy="1303564"/>
-          </a:xfrm>
-          <a:prstGeom prst="rect">
-            <a:avLst/>
-          </a:prstGeom>
-        </p:spPr>
-      </p:pic>
-      <p:pic>
-        <p:nvPicPr>
-          <p:cNvPr id="8" name="그림 7">
-            <a:extLst>
-              <a:ext uri="{FF2B5EF4-FFF2-40B4-BE49-F238E27FC236}">
-                <a16:creationId xmlns:a16="http://schemas.microsoft.com/office/drawing/2014/main" id="{27180F2E-8E05-4322-BA5C-5BC87A860B90}"/>
-              </a:ext>
-            </a:extLst>
-          </p:cNvPr>
-          <p:cNvPicPr>
-            <a:picLocks noChangeAspect="1"/>
-          </p:cNvPicPr>
-          <p:nvPr/>
-        </p:nvPicPr>
-        <p:blipFill>
-          <a:blip r:embed="rId3"/>
-          <a:stretch>
-            <a:fillRect/>
-          </a:stretch>
-        </p:blipFill>
-        <p:spPr>
-          <a:xfrm>
             <a:off x="4305070" y="460795"/>
             <a:ext cx="3114675" cy="5591175"/>
           </a:xfrm>
@@ -3414,7 +3384,7 @@
           <p:nvPr/>
         </p:nvPicPr>
         <p:blipFill rotWithShape="1">
-          <a:blip r:embed="rId2"/>
+          <a:blip r:embed="rId3"/>
           <a:srcRect l="19899" t="63495" r="65932" b="5011"/>
           <a:stretch/>
         </p:blipFill>
@@ -3532,36 +3502,6 @@
           </a:p>
         </p:txBody>
       </p:sp>
-      <p:pic>
-        <p:nvPicPr>
-          <p:cNvPr id="13" name="그림 12">
-            <a:extLst>
-              <a:ext uri="{FF2B5EF4-FFF2-40B4-BE49-F238E27FC236}">
-                <a16:creationId xmlns:a16="http://schemas.microsoft.com/office/drawing/2014/main" id="{B746D5DE-0ADD-4EE8-996D-B2C9ACC2183C}"/>
-              </a:ext>
-            </a:extLst>
-          </p:cNvPr>
-          <p:cNvPicPr>
-            <a:picLocks noChangeAspect="1"/>
-          </p:cNvPicPr>
-          <p:nvPr/>
-        </p:nvPicPr>
-        <p:blipFill>
-          <a:blip r:embed="rId4"/>
-          <a:stretch>
-            <a:fillRect/>
-          </a:stretch>
-        </p:blipFill>
-        <p:spPr>
-          <a:xfrm>
-            <a:off x="692391" y="2615858"/>
-            <a:ext cx="1590675" cy="590550"/>
-          </a:xfrm>
-          <a:prstGeom prst="rect">
-            <a:avLst/>
-          </a:prstGeom>
-        </p:spPr>
-      </p:pic>
       <p:sp>
         <p:nvSpPr>
           <p:cNvPr id="14" name="직사각형 13">
@@ -3629,7 +3569,7 @@
           <p:nvPr/>
         </p:nvPicPr>
         <p:blipFill>
-          <a:blip r:embed="rId5"/>
+          <a:blip r:embed="rId4"/>
           <a:stretch>
             <a:fillRect/>
           </a:stretch>
@@ -3929,14 +3869,14 @@
           <p:nvPr/>
         </p:nvPicPr>
         <p:blipFill>
-          <a:blip r:embed="rId6"/>
+          <a:blip r:embed="rId5"/>
           <a:stretch>
             <a:fillRect/>
           </a:stretch>
         </p:blipFill>
         <p:spPr>
           <a:xfrm>
-            <a:off x="4346961" y="756459"/>
+            <a:off x="4346961" y="481697"/>
             <a:ext cx="1409700" cy="390525"/>
           </a:xfrm>
           <a:prstGeom prst="rect">
@@ -4176,6 +4116,197 @@
           <p:nvPr/>
         </p:nvPicPr>
         <p:blipFill>
+          <a:blip r:embed="rId6"/>
+          <a:stretch>
+            <a:fillRect/>
+          </a:stretch>
+        </p:blipFill>
+        <p:spPr>
+          <a:xfrm>
+            <a:off x="4394975" y="2343709"/>
+            <a:ext cx="1495425" cy="285750"/>
+          </a:xfrm>
+          <a:prstGeom prst="rect">
+            <a:avLst/>
+          </a:prstGeom>
+        </p:spPr>
+      </p:pic>
+      <p:sp>
+        <p:nvSpPr>
+          <p:cNvPr id="33" name="TextBox 32">
+            <a:extLst>
+              <a:ext uri="{FF2B5EF4-FFF2-40B4-BE49-F238E27FC236}">
+                <a16:creationId xmlns:a16="http://schemas.microsoft.com/office/drawing/2014/main" id="{3F5BF1B2-9EAF-4F23-80B0-895EB126569B}"/>
+              </a:ext>
+            </a:extLst>
+          </p:cNvPr>
+          <p:cNvSpPr txBox="1"/>
+          <p:nvPr/>
+        </p:nvSpPr>
+        <p:spPr>
+          <a:xfrm>
+            <a:off x="7930695" y="1664931"/>
+            <a:ext cx="3379547" cy="738664"/>
+          </a:xfrm>
+          <a:prstGeom prst="rect">
+            <a:avLst/>
+          </a:prstGeom>
+          <a:noFill/>
+        </p:spPr>
+        <p:txBody>
+          <a:bodyPr wrap="square" rtlCol="0">
+            <a:spAutoFit/>
+          </a:bodyPr>
+          <a:lstStyle/>
+          <a:p>
+            <a:r>
+              <a:rPr lang="en-US" altLang="ko-KR" sz="1400">
+                <a:latin typeface="나눔스퀘어_ac Bold" panose="020B0600000101010101" pitchFamily="50" charset="-127"/>
+                <a:ea typeface="나눔스퀘어_ac Bold" panose="020B0600000101010101" pitchFamily="50" charset="-127"/>
+              </a:rPr>
+              <a:t>Description </a:t>
+            </a:r>
+            <a:r>
+              <a:rPr lang="ko-KR" altLang="en-US" sz="1400">
+                <a:latin typeface="나눔스퀘어_ac Bold" panose="020B0600000101010101" pitchFamily="50" charset="-127"/>
+                <a:ea typeface="나눔스퀘어_ac Bold" panose="020B0600000101010101" pitchFamily="50" charset="-127"/>
+              </a:rPr>
+              <a:t>혹은 </a:t>
+            </a:r>
+            <a:r>
+              <a:rPr lang="en-US" altLang="ko-KR" sz="1400">
+                <a:latin typeface="나눔스퀘어_ac Bold" panose="020B0600000101010101" pitchFamily="50" charset="-127"/>
+                <a:ea typeface="나눔스퀘어_ac Bold" panose="020B0600000101010101" pitchFamily="50" charset="-127"/>
+              </a:rPr>
+              <a:t>Company</a:t>
+            </a:r>
+            <a:r>
+              <a:rPr lang="ko-KR" altLang="en-US" sz="1400">
+                <a:latin typeface="나눔스퀘어_ac Bold" panose="020B0600000101010101" pitchFamily="50" charset="-127"/>
+                <a:ea typeface="나눔스퀘어_ac Bold" panose="020B0600000101010101" pitchFamily="50" charset="-127"/>
+              </a:rPr>
+              <a:t>항목에 </a:t>
+            </a:r>
+            <a:endParaRPr lang="en-US" altLang="ko-KR" sz="1400">
+              <a:latin typeface="나눔스퀘어_ac Bold" panose="020B0600000101010101" pitchFamily="50" charset="-127"/>
+              <a:ea typeface="나눔스퀘어_ac Bold" panose="020B0600000101010101" pitchFamily="50" charset="-127"/>
+            </a:endParaRPr>
+          </a:p>
+          <a:p>
+            <a:r>
+              <a:rPr lang="en-US" altLang="ko-KR" sz="1400">
+                <a:latin typeface="나눔스퀘어_ac Bold" panose="020B0600000101010101" pitchFamily="50" charset="-127"/>
+                <a:ea typeface="나눔스퀘어_ac Bold" panose="020B0600000101010101" pitchFamily="50" charset="-127"/>
+              </a:rPr>
+              <a:t>@Handong-Global-Univ</a:t>
+            </a:r>
+            <a:r>
+              <a:rPr lang="ko-KR" altLang="en-US" sz="1400">
+                <a:latin typeface="나눔스퀘어_ac Bold" panose="020B0600000101010101" pitchFamily="50" charset="-127"/>
+                <a:ea typeface="나눔스퀘어_ac Bold" panose="020B0600000101010101" pitchFamily="50" charset="-127"/>
+              </a:rPr>
+              <a:t>라고 작성하면 </a:t>
+            </a:r>
+            <a:endParaRPr lang="en-US" altLang="ko-KR" sz="1400">
+              <a:latin typeface="나눔스퀘어_ac Bold" panose="020B0600000101010101" pitchFamily="50" charset="-127"/>
+              <a:ea typeface="나눔스퀘어_ac Bold" panose="020B0600000101010101" pitchFamily="50" charset="-127"/>
+            </a:endParaRPr>
+          </a:p>
+          <a:p>
+            <a:r>
+              <a:rPr lang="ko-KR" altLang="en-US" sz="1400">
+                <a:latin typeface="나눔스퀘어_ac Bold" panose="020B0600000101010101" pitchFamily="50" charset="-127"/>
+                <a:ea typeface="나눔스퀘어_ac Bold" panose="020B0600000101010101" pitchFamily="50" charset="-127"/>
+              </a:rPr>
+              <a:t>한동대학교 </a:t>
+            </a:r>
+            <a:r>
+              <a:rPr lang="en-US" altLang="ko-KR" sz="1400">
+                <a:latin typeface="나눔스퀘어_ac Bold" panose="020B0600000101010101" pitchFamily="50" charset="-127"/>
+                <a:ea typeface="나눔스퀘어_ac Bold" panose="020B0600000101010101" pitchFamily="50" charset="-127"/>
+              </a:rPr>
+              <a:t>Organization</a:t>
+            </a:r>
+            <a:r>
+              <a:rPr lang="ko-KR" altLang="en-US" sz="1400">
+                <a:latin typeface="나눔스퀘어_ac Bold" panose="020B0600000101010101" pitchFamily="50" charset="-127"/>
+                <a:ea typeface="나눔스퀘어_ac Bold" panose="020B0600000101010101" pitchFamily="50" charset="-127"/>
+              </a:rPr>
+              <a:t>가 태그됩니다</a:t>
+            </a:r>
+            <a:r>
+              <a:rPr lang="en-US" altLang="ko-KR" sz="1400">
+                <a:latin typeface="나눔스퀘어_ac Bold" panose="020B0600000101010101" pitchFamily="50" charset="-127"/>
+                <a:ea typeface="나눔스퀘어_ac Bold" panose="020B0600000101010101" pitchFamily="50" charset="-127"/>
+              </a:rPr>
+              <a:t>.</a:t>
+            </a:r>
+            <a:endParaRPr lang="ko-KR" altLang="en-US" sz="1400">
+              <a:latin typeface="나눔스퀘어_ac Bold" panose="020B0600000101010101" pitchFamily="50" charset="-127"/>
+              <a:ea typeface="나눔스퀘어_ac Bold" panose="020B0600000101010101" pitchFamily="50" charset="-127"/>
+            </a:endParaRPr>
+          </a:p>
+        </p:txBody>
+      </p:sp>
+      <p:cxnSp>
+        <p:nvCxnSpPr>
+          <p:cNvPr id="41" name="직선 화살표 연결선 40">
+            <a:extLst>
+              <a:ext uri="{FF2B5EF4-FFF2-40B4-BE49-F238E27FC236}">
+                <a16:creationId xmlns:a16="http://schemas.microsoft.com/office/drawing/2014/main" id="{695FD7B7-C2D2-4321-A65B-E901B4BCF2BB}"/>
+              </a:ext>
+            </a:extLst>
+          </p:cNvPr>
+          <p:cNvCxnSpPr>
+            <a:cxnSpLocks/>
+          </p:cNvCxnSpPr>
+          <p:nvPr/>
+        </p:nvCxnSpPr>
+        <p:spPr>
+          <a:xfrm flipH="1">
+            <a:off x="7305543" y="2330753"/>
+            <a:ext cx="625152" cy="158818"/>
+          </a:xfrm>
+          <a:prstGeom prst="straightConnector1">
+            <a:avLst/>
+          </a:prstGeom>
+          <a:ln w="31750">
+            <a:solidFill>
+              <a:srgbClr val="1D589D"/>
+            </a:solidFill>
+            <a:tailEnd type="triangle"/>
+          </a:ln>
+        </p:spPr>
+        <p:style>
+          <a:lnRef idx="1">
+            <a:schemeClr val="accent1"/>
+          </a:lnRef>
+          <a:fillRef idx="0">
+            <a:schemeClr val="accent1"/>
+          </a:fillRef>
+          <a:effectRef idx="0">
+            <a:schemeClr val="accent1"/>
+          </a:effectRef>
+          <a:fontRef idx="minor">
+            <a:schemeClr val="tx1"/>
+          </a:fontRef>
+        </p:style>
+      </p:cxnSp>
+      <p:pic>
+        <p:nvPicPr>
+          <p:cNvPr id="3" name="그림 2">
+            <a:extLst>
+              <a:ext uri="{FF2B5EF4-FFF2-40B4-BE49-F238E27FC236}">
+                <a16:creationId xmlns:a16="http://schemas.microsoft.com/office/drawing/2014/main" id="{051DF18D-68D4-4360-ACB9-8535DB4E5E67}"/>
+              </a:ext>
+            </a:extLst>
+          </p:cNvPr>
+          <p:cNvPicPr>
+            <a:picLocks noChangeAspect="1"/>
+          </p:cNvPicPr>
+          <p:nvPr/>
+        </p:nvPicPr>
+        <p:blipFill>
           <a:blip r:embed="rId7"/>
           <a:stretch>
             <a:fillRect/>
@@ -4183,8 +4314,8 @@
         </p:blipFill>
         <p:spPr>
           <a:xfrm>
-            <a:off x="4394975" y="2343709"/>
-            <a:ext cx="1495425" cy="285750"/>
+            <a:off x="4442259" y="960075"/>
+            <a:ext cx="1905000" cy="781050"/>
           </a:xfrm>
           <a:prstGeom prst="rect">
             <a:avLst/>
@@ -4193,133 +4324,29 @@
       </p:pic>
       <p:sp>
         <p:nvSpPr>
-          <p:cNvPr id="33" name="TextBox 32">
-            <a:extLst>
-              <a:ext uri="{FF2B5EF4-FFF2-40B4-BE49-F238E27FC236}">
-                <a16:creationId xmlns:a16="http://schemas.microsoft.com/office/drawing/2014/main" id="{3F5BF1B2-9EAF-4F23-80B0-895EB126569B}"/>
-              </a:ext>
-            </a:extLst>
-          </p:cNvPr>
-          <p:cNvSpPr txBox="1"/>
+          <p:cNvPr id="4" name="직사각형 3">
+            <a:extLst>
+              <a:ext uri="{FF2B5EF4-FFF2-40B4-BE49-F238E27FC236}">
+                <a16:creationId xmlns:a16="http://schemas.microsoft.com/office/drawing/2014/main" id="{0C7822F8-D1EE-4C44-AED1-CBB5D9056913}"/>
+              </a:ext>
+            </a:extLst>
+          </p:cNvPr>
+          <p:cNvSpPr/>
           <p:nvPr/>
         </p:nvSpPr>
         <p:spPr>
           <a:xfrm>
-            <a:off x="7930695" y="1664931"/>
-            <a:ext cx="3379547" cy="738664"/>
+            <a:off x="6333007" y="1183219"/>
+            <a:ext cx="833353" cy="315275"/>
           </a:xfrm>
           <a:prstGeom prst="rect">
             <a:avLst/>
           </a:prstGeom>
-          <a:noFill/>
-        </p:spPr>
-        <p:txBody>
-          <a:bodyPr wrap="square" rtlCol="0">
-            <a:spAutoFit/>
-          </a:bodyPr>
-          <a:lstStyle/>
-          <a:p>
-            <a:r>
-              <a:rPr lang="en-US" altLang="ko-KR" sz="1400">
-                <a:latin typeface="나눔스퀘어_ac Bold" panose="020B0600000101010101" pitchFamily="50" charset="-127"/>
-                <a:ea typeface="나눔스퀘어_ac Bold" panose="020B0600000101010101" pitchFamily="50" charset="-127"/>
-              </a:rPr>
-              <a:t>Description </a:t>
-            </a:r>
-            <a:r>
-              <a:rPr lang="ko-KR" altLang="en-US" sz="1400">
-                <a:latin typeface="나눔스퀘어_ac Bold" panose="020B0600000101010101" pitchFamily="50" charset="-127"/>
-                <a:ea typeface="나눔스퀘어_ac Bold" panose="020B0600000101010101" pitchFamily="50" charset="-127"/>
-              </a:rPr>
-              <a:t>혹은 </a:t>
-            </a:r>
-            <a:r>
-              <a:rPr lang="en-US" altLang="ko-KR" sz="1400">
-                <a:latin typeface="나눔스퀘어_ac Bold" panose="020B0600000101010101" pitchFamily="50" charset="-127"/>
-                <a:ea typeface="나눔스퀘어_ac Bold" panose="020B0600000101010101" pitchFamily="50" charset="-127"/>
-              </a:rPr>
-              <a:t>Company</a:t>
-            </a:r>
-            <a:r>
-              <a:rPr lang="ko-KR" altLang="en-US" sz="1400">
-                <a:latin typeface="나눔스퀘어_ac Bold" panose="020B0600000101010101" pitchFamily="50" charset="-127"/>
-                <a:ea typeface="나눔스퀘어_ac Bold" panose="020B0600000101010101" pitchFamily="50" charset="-127"/>
-              </a:rPr>
-              <a:t>항목에 </a:t>
-            </a:r>
-            <a:endParaRPr lang="en-US" altLang="ko-KR" sz="1400">
-              <a:latin typeface="나눔스퀘어_ac Bold" panose="020B0600000101010101" pitchFamily="50" charset="-127"/>
-              <a:ea typeface="나눔스퀘어_ac Bold" panose="020B0600000101010101" pitchFamily="50" charset="-127"/>
-            </a:endParaRPr>
-          </a:p>
-          <a:p>
-            <a:r>
-              <a:rPr lang="en-US" altLang="ko-KR" sz="1400">
-                <a:latin typeface="나눔스퀘어_ac Bold" panose="020B0600000101010101" pitchFamily="50" charset="-127"/>
-                <a:ea typeface="나눔스퀘어_ac Bold" panose="020B0600000101010101" pitchFamily="50" charset="-127"/>
-              </a:rPr>
-              <a:t>@handong-edu</a:t>
-            </a:r>
-            <a:r>
-              <a:rPr lang="ko-KR" altLang="en-US" sz="1400">
-                <a:latin typeface="나눔스퀘어_ac Bold" panose="020B0600000101010101" pitchFamily="50" charset="-127"/>
-                <a:ea typeface="나눔스퀘어_ac Bold" panose="020B0600000101010101" pitchFamily="50" charset="-127"/>
-              </a:rPr>
-              <a:t>라고 작성하면 한동대학교 </a:t>
-            </a:r>
-            <a:r>
-              <a:rPr lang="en-US" altLang="ko-KR" sz="1400">
-                <a:latin typeface="나눔스퀘어_ac Bold" panose="020B0600000101010101" pitchFamily="50" charset="-127"/>
-                <a:ea typeface="나눔스퀘어_ac Bold" panose="020B0600000101010101" pitchFamily="50" charset="-127"/>
-              </a:rPr>
-              <a:t>Organization </a:t>
-            </a:r>
-            <a:r>
-              <a:rPr lang="ko-KR" altLang="en-US" sz="1400">
-                <a:latin typeface="나눔스퀘어_ac Bold" panose="020B0600000101010101" pitchFamily="50" charset="-127"/>
-                <a:ea typeface="나눔스퀘어_ac Bold" panose="020B0600000101010101" pitchFamily="50" charset="-127"/>
-              </a:rPr>
-              <a:t>항목이 태그됩니다</a:t>
-            </a:r>
-            <a:r>
-              <a:rPr lang="en-US" altLang="ko-KR" sz="1400">
-                <a:latin typeface="나눔스퀘어_ac Bold" panose="020B0600000101010101" pitchFamily="50" charset="-127"/>
-                <a:ea typeface="나눔스퀘어_ac Bold" panose="020B0600000101010101" pitchFamily="50" charset="-127"/>
-              </a:rPr>
-              <a:t>.</a:t>
-            </a:r>
-            <a:endParaRPr lang="ko-KR" altLang="en-US" sz="1400">
-              <a:latin typeface="나눔스퀘어_ac Bold" panose="020B0600000101010101" pitchFamily="50" charset="-127"/>
-              <a:ea typeface="나눔스퀘어_ac Bold" panose="020B0600000101010101" pitchFamily="50" charset="-127"/>
-            </a:endParaRPr>
-          </a:p>
-        </p:txBody>
-      </p:sp>
-      <p:sp>
-        <p:nvSpPr>
-          <p:cNvPr id="34" name="직사각형 33">
-            <a:extLst>
-              <a:ext uri="{FF2B5EF4-FFF2-40B4-BE49-F238E27FC236}">
-                <a16:creationId xmlns:a16="http://schemas.microsoft.com/office/drawing/2014/main" id="{543A92E9-375E-45AB-944C-4A5AA9F4FD21}"/>
-              </a:ext>
-            </a:extLst>
-          </p:cNvPr>
-          <p:cNvSpPr/>
-          <p:nvPr/>
-        </p:nvSpPr>
-        <p:spPr>
-          <a:xfrm>
-            <a:off x="4442415" y="1096829"/>
-            <a:ext cx="2837022" cy="568102"/>
-          </a:xfrm>
-          <a:prstGeom prst="rect">
-            <a:avLst/>
-          </a:prstGeom>
-          <a:noFill/>
-          <a:ln w="25400">
-            <a:solidFill>
-              <a:srgbClr val="1D589D"/>
-            </a:solidFill>
+          <a:solidFill>
+            <a:srgbClr val="FFFFFF"/>
+          </a:solidFill>
+          <a:ln>
+            <a:noFill/>
           </a:ln>
         </p:spPr>
         <p:style>
@@ -4349,10 +4376,10 @@
       </p:sp>
       <p:sp>
         <p:nvSpPr>
-          <p:cNvPr id="35" name="직사각형 34">
-            <a:extLst>
-              <a:ext uri="{FF2B5EF4-FFF2-40B4-BE49-F238E27FC236}">
-                <a16:creationId xmlns:a16="http://schemas.microsoft.com/office/drawing/2014/main" id="{14FE7321-032E-4F00-84B3-9DA8B85A9A4E}"/>
+          <p:cNvPr id="34" name="직사각형 33">
+            <a:extLst>
+              <a:ext uri="{FF2B5EF4-FFF2-40B4-BE49-F238E27FC236}">
+                <a16:creationId xmlns:a16="http://schemas.microsoft.com/office/drawing/2014/main" id="{543A92E9-375E-45AB-944C-4A5AA9F4FD21}"/>
               </a:ext>
             </a:extLst>
           </p:cNvPr>
@@ -4361,8 +4388,8 @@
         </p:nvSpPr>
         <p:spPr>
           <a:xfrm>
-            <a:off x="4468521" y="2353039"/>
-            <a:ext cx="2837022" cy="246487"/>
+            <a:off x="4466043" y="958023"/>
+            <a:ext cx="2038178" cy="768743"/>
           </a:xfrm>
           <a:prstGeom prst="rect">
             <a:avLst/>
@@ -4410,13 +4437,14 @@
           </p:cNvPr>
           <p:cNvCxnSpPr>
             <a:cxnSpLocks/>
+            <a:endCxn id="3" idx="3"/>
           </p:cNvCxnSpPr>
           <p:nvPr/>
         </p:nvCxnSpPr>
         <p:spPr>
           <a:xfrm flipH="1" flipV="1">
-            <a:off x="7279437" y="1380880"/>
-            <a:ext cx="651258" cy="292404"/>
+            <a:off x="6347259" y="1350600"/>
+            <a:ext cx="1583438" cy="322686"/>
           </a:xfrm>
           <a:prstGeom prst="straightConnector1">
             <a:avLst/>
@@ -4443,50 +4471,88 @@
           </a:fontRef>
         </p:style>
       </p:cxnSp>
-      <p:cxnSp>
-        <p:nvCxnSpPr>
-          <p:cNvPr id="41" name="직선 화살표 연결선 40">
-            <a:extLst>
-              <a:ext uri="{FF2B5EF4-FFF2-40B4-BE49-F238E27FC236}">
-                <a16:creationId xmlns:a16="http://schemas.microsoft.com/office/drawing/2014/main" id="{695FD7B7-C2D2-4321-A65B-E901B4BCF2BB}"/>
-              </a:ext>
-            </a:extLst>
-          </p:cNvPr>
-          <p:cNvCxnSpPr>
-            <a:cxnSpLocks/>
-          </p:cNvCxnSpPr>
+      <p:pic>
+        <p:nvPicPr>
+          <p:cNvPr id="21" name="그림 20">
+            <a:extLst>
+              <a:ext uri="{FF2B5EF4-FFF2-40B4-BE49-F238E27FC236}">
+                <a16:creationId xmlns:a16="http://schemas.microsoft.com/office/drawing/2014/main" id="{7042271B-F84B-48A1-A65F-9B047E9AE61A}"/>
+              </a:ext>
+            </a:extLst>
+          </p:cNvPr>
+          <p:cNvPicPr>
+            <a:picLocks noChangeAspect="1"/>
+          </p:cNvPicPr>
           <p:nvPr/>
-        </p:nvCxnSpPr>
-        <p:spPr>
-          <a:xfrm flipH="1">
-            <a:off x="7305543" y="2330753"/>
-            <a:ext cx="625152" cy="158818"/>
-          </a:xfrm>
-          <a:prstGeom prst="straightConnector1">
+        </p:nvPicPr>
+        <p:blipFill>
+          <a:blip r:embed="rId8"/>
+          <a:stretch>
+            <a:fillRect/>
+          </a:stretch>
+        </p:blipFill>
+        <p:spPr>
+          <a:xfrm>
+            <a:off x="4466042" y="2310760"/>
+            <a:ext cx="1771650" cy="314325"/>
+          </a:xfrm>
+          <a:prstGeom prst="rect">
             <a:avLst/>
           </a:prstGeom>
-          <a:ln w="31750">
+        </p:spPr>
+      </p:pic>
+      <p:sp>
+        <p:nvSpPr>
+          <p:cNvPr id="35" name="직사각형 34">
+            <a:extLst>
+              <a:ext uri="{FF2B5EF4-FFF2-40B4-BE49-F238E27FC236}">
+                <a16:creationId xmlns:a16="http://schemas.microsoft.com/office/drawing/2014/main" id="{14FE7321-032E-4F00-84B3-9DA8B85A9A4E}"/>
+              </a:ext>
+            </a:extLst>
+          </p:cNvPr>
+          <p:cNvSpPr/>
+          <p:nvPr/>
+        </p:nvSpPr>
+        <p:spPr>
+          <a:xfrm>
+            <a:off x="4468521" y="2353039"/>
+            <a:ext cx="2837022" cy="246487"/>
+          </a:xfrm>
+          <a:prstGeom prst="rect">
+            <a:avLst/>
+          </a:prstGeom>
+          <a:noFill/>
+          <a:ln w="25400">
             <a:solidFill>
               <a:srgbClr val="1D589D"/>
             </a:solidFill>
-            <a:tailEnd type="triangle"/>
           </a:ln>
         </p:spPr>
         <p:style>
-          <a:lnRef idx="1">
-            <a:schemeClr val="accent1"/>
+          <a:lnRef idx="2">
+            <a:schemeClr val="accent1">
+              <a:shade val="50000"/>
+            </a:schemeClr>
           </a:lnRef>
-          <a:fillRef idx="0">
+          <a:fillRef idx="1">
             <a:schemeClr val="accent1"/>
           </a:fillRef>
           <a:effectRef idx="0">
             <a:schemeClr val="accent1"/>
           </a:effectRef>
           <a:fontRef idx="minor">
-            <a:schemeClr val="tx1"/>
+            <a:schemeClr val="lt1"/>
           </a:fontRef>
         </p:style>
-      </p:cxnSp>
+        <p:txBody>
+          <a:bodyPr rtlCol="0" anchor="ctr"/>
+          <a:lstStyle/>
+          <a:p>
+            <a:pPr algn="ctr"/>
+            <a:endParaRPr lang="ko-KR" altLang="en-US"/>
+          </a:p>
+        </p:txBody>
+      </p:sp>
     </p:spTree>
     <p:extLst>
       <p:ext uri="{BB962C8B-B14F-4D97-AF65-F5344CB8AC3E}">
@@ -4853,8 +4919,8 @@
         </p:blipFill>
         <p:spPr bwMode="auto">
           <a:xfrm>
-            <a:off x="4377953" y="2577264"/>
-            <a:ext cx="4443799" cy="1311586"/>
+            <a:off x="4841235" y="3058656"/>
+            <a:ext cx="2509529" cy="740687"/>
           </a:xfrm>
           <a:prstGeom prst="rect">
             <a:avLst/>
